--- a/集图第一章作业.pptx
+++ b/集图第一章作业.pptx
@@ -4756,7 +4756,7 @@
           <a:graphicData uri="http://schemas.openxmlformats.org/presentationml/2006/ole">
             <mc:AlternateContent xmlns:mc="http://schemas.openxmlformats.org/markup-compatibility/2006">
               <mc:Choice xmlns:v="urn:schemas-microsoft-com:vml" Requires="v">
-                <p:oleObj spid="_x0000_s200604" r:id="rId4" imgW="990600" imgH="304800" progId="">
+                <p:oleObj spid="_x0000_s200602" r:id="rId4" imgW="990600" imgH="304800" progId="">
                   <p:embed/>
                 </p:oleObj>
               </mc:Choice>
@@ -5185,7 +5185,7 @@
           <a:graphicData uri="http://schemas.openxmlformats.org/presentationml/2006/ole">
             <mc:AlternateContent xmlns:mc="http://schemas.openxmlformats.org/markup-compatibility/2006">
               <mc:Choice xmlns:v="urn:schemas-microsoft-com:vml" Requires="v">
-                <p:oleObj spid="_x0000_s200605" r:id="rId6" imgW="990600" imgH="304800" progId="">
+                <p:oleObj spid="_x0000_s200603" r:id="rId6" imgW="990600" imgH="304800" progId="">
                   <p:embed/>
                 </p:oleObj>
               </mc:Choice>
@@ -10543,7 +10543,7 @@
           <a:graphicData uri="http://schemas.openxmlformats.org/presentationml/2006/ole">
             <mc:AlternateContent xmlns:mc="http://schemas.openxmlformats.org/markup-compatibility/2006">
               <mc:Choice xmlns:v="urn:schemas-microsoft-com:vml" Requires="v">
-                <p:oleObj spid="_x0000_s199120" r:id="rId19" imgW="990600" imgH="304800" progId="">
+                <p:oleObj spid="_x0000_s199119" r:id="rId19" imgW="990600" imgH="304800" progId="">
                   <p:embed/>
                 </p:oleObj>
               </mc:Choice>
